--- a/Mechanical/Schemenskizzen/Powerpoint/Nachfüllanlage_vertikal.pptx
+++ b/Mechanical/Schemenskizzen/Powerpoint/Nachfüllanlage_vertikal.pptx
@@ -261,7 +261,7 @@
           <a:p>
             <a:fld id="{84A18C9F-0807-438E-A72B-33542892B3D8}" type="datetimeFigureOut">
               <a:rPr lang="de-AT" smtClean="0"/>
-              <a:t>07.02.2018</a:t>
+              <a:t>18.02.2018</a:t>
             </a:fld>
             <a:endParaRPr lang="de-AT"/>
           </a:p>
@@ -461,7 +461,7 @@
           <a:p>
             <a:fld id="{84A18C9F-0807-438E-A72B-33542892B3D8}" type="datetimeFigureOut">
               <a:rPr lang="de-AT" smtClean="0"/>
-              <a:t>07.02.2018</a:t>
+              <a:t>18.02.2018</a:t>
             </a:fld>
             <a:endParaRPr lang="de-AT"/>
           </a:p>
@@ -671,7 +671,7 @@
           <a:p>
             <a:fld id="{84A18C9F-0807-438E-A72B-33542892B3D8}" type="datetimeFigureOut">
               <a:rPr lang="de-AT" smtClean="0"/>
-              <a:t>07.02.2018</a:t>
+              <a:t>18.02.2018</a:t>
             </a:fld>
             <a:endParaRPr lang="de-AT"/>
           </a:p>
@@ -871,7 +871,7 @@
           <a:p>
             <a:fld id="{84A18C9F-0807-438E-A72B-33542892B3D8}" type="datetimeFigureOut">
               <a:rPr lang="de-AT" smtClean="0"/>
-              <a:t>07.02.2018</a:t>
+              <a:t>18.02.2018</a:t>
             </a:fld>
             <a:endParaRPr lang="de-AT"/>
           </a:p>
@@ -1147,7 +1147,7 @@
           <a:p>
             <a:fld id="{84A18C9F-0807-438E-A72B-33542892B3D8}" type="datetimeFigureOut">
               <a:rPr lang="de-AT" smtClean="0"/>
-              <a:t>07.02.2018</a:t>
+              <a:t>18.02.2018</a:t>
             </a:fld>
             <a:endParaRPr lang="de-AT"/>
           </a:p>
@@ -1415,7 +1415,7 @@
           <a:p>
             <a:fld id="{84A18C9F-0807-438E-A72B-33542892B3D8}" type="datetimeFigureOut">
               <a:rPr lang="de-AT" smtClean="0"/>
-              <a:t>07.02.2018</a:t>
+              <a:t>18.02.2018</a:t>
             </a:fld>
             <a:endParaRPr lang="de-AT"/>
           </a:p>
@@ -1830,7 +1830,7 @@
           <a:p>
             <a:fld id="{84A18C9F-0807-438E-A72B-33542892B3D8}" type="datetimeFigureOut">
               <a:rPr lang="de-AT" smtClean="0"/>
-              <a:t>07.02.2018</a:t>
+              <a:t>18.02.2018</a:t>
             </a:fld>
             <a:endParaRPr lang="de-AT"/>
           </a:p>
@@ -1972,7 +1972,7 @@
           <a:p>
             <a:fld id="{84A18C9F-0807-438E-A72B-33542892B3D8}" type="datetimeFigureOut">
               <a:rPr lang="de-AT" smtClean="0"/>
-              <a:t>07.02.2018</a:t>
+              <a:t>18.02.2018</a:t>
             </a:fld>
             <a:endParaRPr lang="de-AT"/>
           </a:p>
@@ -2085,7 +2085,7 @@
           <a:p>
             <a:fld id="{84A18C9F-0807-438E-A72B-33542892B3D8}" type="datetimeFigureOut">
               <a:rPr lang="de-AT" smtClean="0"/>
-              <a:t>07.02.2018</a:t>
+              <a:t>18.02.2018</a:t>
             </a:fld>
             <a:endParaRPr lang="de-AT"/>
           </a:p>
@@ -2398,7 +2398,7 @@
           <a:p>
             <a:fld id="{84A18C9F-0807-438E-A72B-33542892B3D8}" type="datetimeFigureOut">
               <a:rPr lang="de-AT" smtClean="0"/>
-              <a:t>07.02.2018</a:t>
+              <a:t>18.02.2018</a:t>
             </a:fld>
             <a:endParaRPr lang="de-AT"/>
           </a:p>
@@ -2687,7 +2687,7 @@
           <a:p>
             <a:fld id="{84A18C9F-0807-438E-A72B-33542892B3D8}" type="datetimeFigureOut">
               <a:rPr lang="de-AT" smtClean="0"/>
-              <a:t>07.02.2018</a:t>
+              <a:t>18.02.2018</a:t>
             </a:fld>
             <a:endParaRPr lang="de-AT"/>
           </a:p>
@@ -2930,7 +2930,7 @@
           <a:p>
             <a:fld id="{84A18C9F-0807-438E-A72B-33542892B3D8}" type="datetimeFigureOut">
               <a:rPr lang="de-AT" smtClean="0"/>
-              <a:t>07.02.2018</a:t>
+              <a:t>18.02.2018</a:t>
             </a:fld>
             <a:endParaRPr lang="de-AT"/>
           </a:p>
@@ -3361,7 +3361,7 @@
         </p:nvGrpSpPr>
         <p:grpSpPr>
           <a:xfrm>
-            <a:off x="3260187" y="337626"/>
+            <a:off x="1822004" y="639467"/>
             <a:ext cx="5294728" cy="5785337"/>
             <a:chOff x="3260187" y="337626"/>
             <a:chExt cx="5294728" cy="5785337"/>
@@ -3423,7 +3423,7 @@
             <a:lstStyle/>
             <a:p>
               <a:pPr algn="ctr"/>
-              <a:endParaRPr lang="de-AT"/>
+              <a:endParaRPr lang="de-AT" dirty="0"/>
             </a:p>
           </p:txBody>
         </p:sp>
@@ -4348,6 +4348,150 @@
           </p:txBody>
         </p:sp>
       </p:grpSp>
+      <p:sp>
+        <p:nvSpPr>
+          <p:cNvPr id="3" name="Rechteck 2">
+            <a:extLst>
+              <a:ext uri="{FF2B5EF4-FFF2-40B4-BE49-F238E27FC236}">
+                <a16:creationId xmlns:a16="http://schemas.microsoft.com/office/drawing/2014/main" id="{35423C4C-4BB0-409F-88E5-7B96E1620BAA}"/>
+              </a:ext>
+            </a:extLst>
+          </p:cNvPr>
+          <p:cNvSpPr/>
+          <p:nvPr/>
+        </p:nvSpPr>
+        <p:spPr>
+          <a:xfrm>
+            <a:off x="7723478" y="639467"/>
+            <a:ext cx="2974013" cy="2518103"/>
+          </a:xfrm>
+          <a:prstGeom prst="rect">
+            <a:avLst/>
+          </a:prstGeom>
+          <a:solidFill>
+            <a:schemeClr val="accent1">
+              <a:lumMod val="60000"/>
+              <a:lumOff val="40000"/>
+            </a:schemeClr>
+          </a:solidFill>
+        </p:spPr>
+        <p:style>
+          <a:lnRef idx="2">
+            <a:schemeClr val="accent1">
+              <a:shade val="50000"/>
+            </a:schemeClr>
+          </a:lnRef>
+          <a:fillRef idx="1">
+            <a:schemeClr val="accent1"/>
+          </a:fillRef>
+          <a:effectRef idx="0">
+            <a:schemeClr val="accent1"/>
+          </a:effectRef>
+          <a:fontRef idx="minor">
+            <a:schemeClr val="lt1"/>
+          </a:fontRef>
+        </p:style>
+        <p:txBody>
+          <a:bodyPr rtlCol="0" anchor="ctr"/>
+          <a:lstStyle/>
+          <a:p>
+            <a:pPr algn="ctr"/>
+            <a:endParaRPr lang="de-DE"/>
+          </a:p>
+        </p:txBody>
+      </p:sp>
+      <p:sp>
+        <p:nvSpPr>
+          <p:cNvPr id="5" name="Rechteck 4">
+            <a:extLst>
+              <a:ext uri="{FF2B5EF4-FFF2-40B4-BE49-F238E27FC236}">
+                <a16:creationId xmlns:a16="http://schemas.microsoft.com/office/drawing/2014/main" id="{B5B1A78D-F5CF-4464-AC96-4C9D92615106}"/>
+              </a:ext>
+            </a:extLst>
+          </p:cNvPr>
+          <p:cNvSpPr/>
+          <p:nvPr/>
+        </p:nvSpPr>
+        <p:spPr>
+          <a:xfrm>
+            <a:off x="9052223" y="2988762"/>
+            <a:ext cx="316522" cy="337615"/>
+          </a:xfrm>
+          <a:prstGeom prst="rect">
+            <a:avLst/>
+          </a:prstGeom>
+        </p:spPr>
+        <p:style>
+          <a:lnRef idx="2">
+            <a:schemeClr val="accent1">
+              <a:shade val="50000"/>
+            </a:schemeClr>
+          </a:lnRef>
+          <a:fillRef idx="1">
+            <a:schemeClr val="accent1"/>
+          </a:fillRef>
+          <a:effectRef idx="0">
+            <a:schemeClr val="accent1"/>
+          </a:effectRef>
+          <a:fontRef idx="minor">
+            <a:schemeClr val="lt1"/>
+          </a:fontRef>
+        </p:style>
+        <p:txBody>
+          <a:bodyPr rtlCol="0" anchor="ctr"/>
+          <a:lstStyle/>
+          <a:p>
+            <a:pPr algn="ctr"/>
+            <a:endParaRPr lang="de-DE"/>
+          </a:p>
+        </p:txBody>
+      </p:sp>
+      <p:sp>
+        <p:nvSpPr>
+          <p:cNvPr id="30" name="Rechteck 29">
+            <a:extLst>
+              <a:ext uri="{FF2B5EF4-FFF2-40B4-BE49-F238E27FC236}">
+                <a16:creationId xmlns:a16="http://schemas.microsoft.com/office/drawing/2014/main" id="{EE30C184-B587-4B92-80E7-5AF7B72FC24B}"/>
+              </a:ext>
+            </a:extLst>
+          </p:cNvPr>
+          <p:cNvSpPr/>
+          <p:nvPr/>
+        </p:nvSpPr>
+        <p:spPr>
+          <a:xfrm>
+            <a:off x="9052223" y="2215049"/>
+            <a:ext cx="316522" cy="337615"/>
+          </a:xfrm>
+          <a:prstGeom prst="rect">
+            <a:avLst/>
+          </a:prstGeom>
+        </p:spPr>
+        <p:style>
+          <a:lnRef idx="2">
+            <a:schemeClr val="accent1">
+              <a:shade val="50000"/>
+            </a:schemeClr>
+          </a:lnRef>
+          <a:fillRef idx="1">
+            <a:schemeClr val="accent1"/>
+          </a:fillRef>
+          <a:effectRef idx="0">
+            <a:schemeClr val="accent1"/>
+          </a:effectRef>
+          <a:fontRef idx="minor">
+            <a:schemeClr val="lt1"/>
+          </a:fontRef>
+        </p:style>
+        <p:txBody>
+          <a:bodyPr rtlCol="0" anchor="ctr"/>
+          <a:lstStyle/>
+          <a:p>
+            <a:pPr algn="ctr"/>
+            <a:endParaRPr lang="de-DE"/>
+          </a:p>
+        </p:txBody>
+      </p:sp>
     </p:spTree>
     <p:extLst>
       <p:ext uri="{BB962C8B-B14F-4D97-AF65-F5344CB8AC3E}">
